--- a/PixelPurge_Gegner + Design.pptx
+++ b/PixelPurge_Gegner + Design.pptx
@@ -3515,7 +3515,9 @@
         </p:nvSpPr>
         <p:spPr/>
         <p:txBody>
-          <a:bodyPr/>
+          <a:bodyPr>
+            <a:normAutofit lnSpcReduction="10000"/>
+          </a:bodyPr>
           <a:lstStyle/>
           <a:p>
             <a:r>
@@ -3524,22 +3526,34 @@
             </a:r>
           </a:p>
           <a:p>
+            <a:endParaRPr lang="de-DE" dirty="0"/>
+          </a:p>
+          <a:p>
             <a:r>
               <a:rPr lang="de-DE" dirty="0"/>
               <a:t>Kartengeneration</a:t>
             </a:r>
           </a:p>
           <a:p>
+            <a:endParaRPr lang="de-DE" dirty="0"/>
+          </a:p>
+          <a:p>
             <a:r>
               <a:rPr lang="de-DE" dirty="0"/>
               <a:t>Spieler</a:t>
             </a:r>
           </a:p>
           <a:p>
+            <a:endParaRPr lang="de-DE" dirty="0"/>
+          </a:p>
+          <a:p>
             <a:r>
               <a:rPr lang="de-DE" dirty="0"/>
               <a:t>Gegner</a:t>
             </a:r>
+          </a:p>
+          <a:p>
+            <a:endParaRPr lang="de-DE" dirty="0"/>
           </a:p>
           <a:p>
             <a:r>
@@ -3638,6 +3652,9 @@
             </a:r>
           </a:p>
           <a:p>
+            <a:endParaRPr lang="de-DE" dirty="0"/>
+          </a:p>
+          <a:p>
             <a:r>
               <a:rPr lang="de-DE" dirty="0" err="1"/>
               <a:t>OnClick</a:t>
@@ -3646,6 +3663,9 @@
               <a:rPr lang="de-DE" dirty="0"/>
               <a:t>()</a:t>
             </a:r>
+          </a:p>
+          <a:p>
+            <a:endParaRPr lang="de-DE" dirty="0"/>
           </a:p>
           <a:p>
             <a:r>
@@ -3733,7 +3753,9 @@
         </p:nvSpPr>
         <p:spPr/>
         <p:txBody>
-          <a:bodyPr/>
+          <a:bodyPr>
+            <a:normAutofit lnSpcReduction="10000"/>
+          </a:bodyPr>
           <a:lstStyle/>
           <a:p>
             <a:r>
@@ -3742,22 +3764,34 @@
             </a:r>
           </a:p>
           <a:p>
+            <a:endParaRPr lang="de-DE" dirty="0"/>
+          </a:p>
+          <a:p>
             <a:r>
               <a:rPr lang="de-DE" dirty="0"/>
               <a:t>Crawler</a:t>
             </a:r>
           </a:p>
           <a:p>
+            <a:endParaRPr lang="de-DE" dirty="0"/>
+          </a:p>
+          <a:p>
             <a:r>
               <a:rPr lang="de-DE" dirty="0"/>
               <a:t>Laden der Räume</a:t>
             </a:r>
           </a:p>
           <a:p>
+            <a:endParaRPr lang="de-DE" dirty="0"/>
+          </a:p>
+          <a:p>
             <a:r>
               <a:rPr lang="de-AT" dirty="0"/>
               <a:t>Entfernen der Türen</a:t>
             </a:r>
+          </a:p>
+          <a:p>
+            <a:endParaRPr lang="de-AT" dirty="0"/>
           </a:p>
           <a:p>
             <a:r>
@@ -3982,16 +4016,25 @@
             </a:r>
           </a:p>
           <a:p>
+            <a:endParaRPr lang="de-DE" dirty="0"/>
+          </a:p>
+          <a:p>
             <a:r>
               <a:rPr lang="de-DE" dirty="0"/>
               <a:t>Karte</a:t>
             </a:r>
           </a:p>
           <a:p>
+            <a:endParaRPr lang="de-DE" dirty="0"/>
+          </a:p>
+          <a:p>
             <a:r>
               <a:rPr lang="de-DE" dirty="0"/>
               <a:t>Spieler</a:t>
             </a:r>
+          </a:p>
+          <a:p>
+            <a:endParaRPr lang="de-DE" dirty="0"/>
           </a:p>
           <a:p>
             <a:r>

--- a/PixelPurge_Gegner + Design.pptx
+++ b/PixelPurge_Gegner + Design.pptx
@@ -9,8 +9,11 @@
     <p:sldId id="257" r:id="rId3"/>
     <p:sldId id="259" r:id="rId4"/>
     <p:sldId id="258" r:id="rId5"/>
-    <p:sldId id="260" r:id="rId6"/>
-    <p:sldId id="261" r:id="rId7"/>
+    <p:sldId id="262" r:id="rId6"/>
+    <p:sldId id="263" r:id="rId7"/>
+    <p:sldId id="264" r:id="rId8"/>
+    <p:sldId id="260" r:id="rId9"/>
+    <p:sldId id="261" r:id="rId10"/>
   </p:sldIdLst>
   <p:sldSz cx="12192000" cy="6858000"/>
   <p:notesSz cx="6858000" cy="9144000"/>
@@ -3516,7 +3519,7 @@
         <p:spPr/>
         <p:txBody>
           <a:bodyPr>
-            <a:normAutofit lnSpcReduction="10000"/>
+            <a:normAutofit fontScale="62500" lnSpcReduction="20000"/>
           </a:bodyPr>
           <a:lstStyle/>
           <a:p>
@@ -3542,6 +3545,26 @@
               <a:rPr lang="de-DE" dirty="0"/>
               <a:t>Spieler</a:t>
             </a:r>
+          </a:p>
+          <a:p>
+            <a:endParaRPr lang="de-DE" dirty="0"/>
+          </a:p>
+          <a:p>
+            <a:r>
+              <a:rPr lang="de-DE" dirty="0" err="1"/>
+              <a:t>HealthSystem</a:t>
+            </a:r>
+            <a:endParaRPr lang="de-DE" dirty="0"/>
+          </a:p>
+          <a:p>
+            <a:endParaRPr lang="de-DE" dirty="0"/>
+          </a:p>
+          <a:p>
+            <a:r>
+              <a:rPr lang="de-DE" dirty="0" err="1"/>
+              <a:t>Collectables</a:t>
+            </a:r>
+            <a:endParaRPr lang="de-DE" dirty="0"/>
           </a:p>
           <a:p>
             <a:endParaRPr lang="de-DE" dirty="0"/>
@@ -3833,6 +3856,334 @@
       </p:grpSpPr>
       <p:sp>
         <p:nvSpPr>
+          <p:cNvPr id="2" name="Titel 1">
+            <a:extLst>
+              <a:ext uri="{FF2B5EF4-FFF2-40B4-BE49-F238E27FC236}">
+                <a16:creationId xmlns:a16="http://schemas.microsoft.com/office/drawing/2014/main" id="{DD616E39-A68A-A5D5-24C5-AE785D551E28}"/>
+              </a:ext>
+            </a:extLst>
+          </p:cNvPr>
+          <p:cNvSpPr>
+            <a:spLocks noGrp="1"/>
+          </p:cNvSpPr>
+          <p:nvPr>
+            <p:ph type="title"/>
+          </p:nvPr>
+        </p:nvSpPr>
+        <p:spPr/>
+        <p:txBody>
+          <a:bodyPr/>
+          <a:lstStyle/>
+          <a:p>
+            <a:r>
+              <a:rPr lang="de-DE" dirty="0"/>
+              <a:t>Spieler</a:t>
+            </a:r>
+            <a:endParaRPr lang="en-GB" dirty="0"/>
+          </a:p>
+        </p:txBody>
+      </p:sp>
+      <p:sp>
+        <p:nvSpPr>
+          <p:cNvPr id="3" name="Inhaltsplatzhalter 2">
+            <a:extLst>
+              <a:ext uri="{FF2B5EF4-FFF2-40B4-BE49-F238E27FC236}">
+                <a16:creationId xmlns:a16="http://schemas.microsoft.com/office/drawing/2014/main" id="{DF7B8E17-E169-00D6-C628-04C1B2351163}"/>
+              </a:ext>
+            </a:extLst>
+          </p:cNvPr>
+          <p:cNvSpPr>
+            <a:spLocks noGrp="1"/>
+          </p:cNvSpPr>
+          <p:nvPr>
+            <p:ph idx="1"/>
+          </p:nvPr>
+        </p:nvSpPr>
+        <p:spPr/>
+        <p:txBody>
+          <a:bodyPr/>
+          <a:lstStyle/>
+          <a:p>
+            <a:endParaRPr lang="de-DE" dirty="0"/>
+          </a:p>
+          <a:p>
+            <a:r>
+              <a:rPr lang="de-DE" dirty="0" err="1"/>
+              <a:t>PlayerController</a:t>
+            </a:r>
+            <a:r>
+              <a:rPr lang="de-DE" dirty="0"/>
+              <a:t>/Input System</a:t>
+            </a:r>
+          </a:p>
+          <a:p>
+            <a:endParaRPr lang="de-DE" dirty="0"/>
+          </a:p>
+          <a:p>
+            <a:r>
+              <a:rPr lang="de-DE" dirty="0"/>
+              <a:t>Player Shoot/Bullet</a:t>
+            </a:r>
+          </a:p>
+          <a:p>
+            <a:endParaRPr lang="de-DE" dirty="0"/>
+          </a:p>
+          <a:p>
+            <a:endParaRPr lang="en-GB" dirty="0"/>
+          </a:p>
+        </p:txBody>
+      </p:sp>
+    </p:spTree>
+    <p:extLst>
+      <p:ext uri="{BB962C8B-B14F-4D97-AF65-F5344CB8AC3E}">
+        <p14:creationId xmlns:p14="http://schemas.microsoft.com/office/powerpoint/2010/main" val="3596611422"/>
+      </p:ext>
+    </p:extLst>
+  </p:cSld>
+  <p:clrMapOvr>
+    <a:masterClrMapping/>
+  </p:clrMapOvr>
+</p:sld>
+</file>
+
+<file path=ppt/slides/slide6.xml><?xml version="1.0" encoding="utf-8"?>
+<p:sld xmlns:a="http://schemas.openxmlformats.org/drawingml/2006/main" xmlns:r="http://schemas.openxmlformats.org/officeDocument/2006/relationships" xmlns:p="http://schemas.openxmlformats.org/presentationml/2006/main">
+  <p:cSld>
+    <p:spTree>
+      <p:nvGrpSpPr>
+        <p:cNvPr id="1" name=""/>
+        <p:cNvGrpSpPr/>
+        <p:nvPr/>
+      </p:nvGrpSpPr>
+      <p:grpSpPr>
+        <a:xfrm>
+          <a:off x="0" y="0"/>
+          <a:ext cx="0" cy="0"/>
+          <a:chOff x="0" y="0"/>
+          <a:chExt cx="0" cy="0"/>
+        </a:xfrm>
+      </p:grpSpPr>
+      <p:sp>
+        <p:nvSpPr>
+          <p:cNvPr id="2" name="Titel 1">
+            <a:extLst>
+              <a:ext uri="{FF2B5EF4-FFF2-40B4-BE49-F238E27FC236}">
+                <a16:creationId xmlns:a16="http://schemas.microsoft.com/office/drawing/2014/main" id="{2B938C28-A43B-C0D6-69DD-3A77AFC7B09B}"/>
+              </a:ext>
+            </a:extLst>
+          </p:cNvPr>
+          <p:cNvSpPr>
+            <a:spLocks noGrp="1"/>
+          </p:cNvSpPr>
+          <p:nvPr>
+            <p:ph type="title"/>
+          </p:nvPr>
+        </p:nvSpPr>
+        <p:spPr/>
+        <p:txBody>
+          <a:bodyPr/>
+          <a:lstStyle/>
+          <a:p>
+            <a:r>
+              <a:rPr lang="de-DE" dirty="0"/>
+              <a:t>Health System</a:t>
+            </a:r>
+            <a:endParaRPr lang="en-GB" dirty="0"/>
+          </a:p>
+        </p:txBody>
+      </p:sp>
+      <p:sp>
+        <p:nvSpPr>
+          <p:cNvPr id="3" name="Inhaltsplatzhalter 2">
+            <a:extLst>
+              <a:ext uri="{FF2B5EF4-FFF2-40B4-BE49-F238E27FC236}">
+                <a16:creationId xmlns:a16="http://schemas.microsoft.com/office/drawing/2014/main" id="{562FBE8A-FDD0-A965-0B37-3CD818CD90EB}"/>
+              </a:ext>
+            </a:extLst>
+          </p:cNvPr>
+          <p:cNvSpPr>
+            <a:spLocks noGrp="1"/>
+          </p:cNvSpPr>
+          <p:nvPr>
+            <p:ph idx="1"/>
+          </p:nvPr>
+        </p:nvSpPr>
+        <p:spPr/>
+        <p:txBody>
+          <a:bodyPr/>
+          <a:lstStyle/>
+          <a:p>
+            <a:pPr marL="0" indent="0">
+              <a:buNone/>
+            </a:pPr>
+            <a:endParaRPr lang="de-DE" dirty="0"/>
+          </a:p>
+          <a:p>
+            <a:r>
+              <a:rPr lang="en-GB" dirty="0"/>
+              <a:t>Health Controller</a:t>
+            </a:r>
+          </a:p>
+          <a:p>
+            <a:endParaRPr lang="en-GB" dirty="0"/>
+          </a:p>
+          <a:p>
+            <a:r>
+              <a:rPr lang="en-GB" dirty="0"/>
+              <a:t>Health Bar</a:t>
+            </a:r>
+          </a:p>
+          <a:p>
+            <a:endParaRPr lang="en-GB" dirty="0"/>
+          </a:p>
+          <a:p>
+            <a:r>
+              <a:rPr lang="en-GB" dirty="0"/>
+              <a:t>Invincibility Controller</a:t>
+            </a:r>
+            <a:endParaRPr lang="de-DE" dirty="0"/>
+          </a:p>
+        </p:txBody>
+      </p:sp>
+    </p:spTree>
+    <p:extLst>
+      <p:ext uri="{BB962C8B-B14F-4D97-AF65-F5344CB8AC3E}">
+        <p14:creationId xmlns:p14="http://schemas.microsoft.com/office/powerpoint/2010/main" val="3561432213"/>
+      </p:ext>
+    </p:extLst>
+  </p:cSld>
+  <p:clrMapOvr>
+    <a:masterClrMapping/>
+  </p:clrMapOvr>
+</p:sld>
+</file>
+
+<file path=ppt/slides/slide7.xml><?xml version="1.0" encoding="utf-8"?>
+<p:sld xmlns:a="http://schemas.openxmlformats.org/drawingml/2006/main" xmlns:r="http://schemas.openxmlformats.org/officeDocument/2006/relationships" xmlns:p="http://schemas.openxmlformats.org/presentationml/2006/main">
+  <p:cSld>
+    <p:spTree>
+      <p:nvGrpSpPr>
+        <p:cNvPr id="1" name=""/>
+        <p:cNvGrpSpPr/>
+        <p:nvPr/>
+      </p:nvGrpSpPr>
+      <p:grpSpPr>
+        <a:xfrm>
+          <a:off x="0" y="0"/>
+          <a:ext cx="0" cy="0"/>
+          <a:chOff x="0" y="0"/>
+          <a:chExt cx="0" cy="0"/>
+        </a:xfrm>
+      </p:grpSpPr>
+      <p:sp>
+        <p:nvSpPr>
+          <p:cNvPr id="2" name="Titel 1">
+            <a:extLst>
+              <a:ext uri="{FF2B5EF4-FFF2-40B4-BE49-F238E27FC236}">
+                <a16:creationId xmlns:a16="http://schemas.microsoft.com/office/drawing/2014/main" id="{CF3C9C61-39B8-67E9-DA9D-BC357BF4BEFB}"/>
+              </a:ext>
+            </a:extLst>
+          </p:cNvPr>
+          <p:cNvSpPr>
+            <a:spLocks noGrp="1"/>
+          </p:cNvSpPr>
+          <p:nvPr>
+            <p:ph type="title"/>
+          </p:nvPr>
+        </p:nvSpPr>
+        <p:spPr/>
+        <p:txBody>
+          <a:bodyPr/>
+          <a:lstStyle/>
+          <a:p>
+            <a:r>
+              <a:rPr lang="de-DE" dirty="0" err="1"/>
+              <a:t>Collectables</a:t>
+            </a:r>
+            <a:endParaRPr lang="en-GB" dirty="0"/>
+          </a:p>
+        </p:txBody>
+      </p:sp>
+      <p:sp>
+        <p:nvSpPr>
+          <p:cNvPr id="3" name="Inhaltsplatzhalter 2">
+            <a:extLst>
+              <a:ext uri="{FF2B5EF4-FFF2-40B4-BE49-F238E27FC236}">
+                <a16:creationId xmlns:a16="http://schemas.microsoft.com/office/drawing/2014/main" id="{2719E86D-5149-C5DA-C991-82BA158A10FC}"/>
+              </a:ext>
+            </a:extLst>
+          </p:cNvPr>
+          <p:cNvSpPr>
+            <a:spLocks noGrp="1"/>
+          </p:cNvSpPr>
+          <p:nvPr>
+            <p:ph idx="1"/>
+          </p:nvPr>
+        </p:nvSpPr>
+        <p:spPr/>
+        <p:txBody>
+          <a:bodyPr/>
+          <a:lstStyle/>
+          <a:p>
+            <a:endParaRPr lang="de-DE" dirty="0"/>
+          </a:p>
+          <a:p>
+            <a:r>
+              <a:rPr lang="en-GB" dirty="0"/>
+              <a:t>Collectables/Collectable Interface/ </a:t>
+            </a:r>
+            <a:r>
+              <a:rPr lang="en-GB" dirty="0" err="1"/>
+              <a:t>Collecable</a:t>
+            </a:r>
+            <a:r>
+              <a:rPr lang="en-GB" dirty="0"/>
+              <a:t> Spawner</a:t>
+            </a:r>
+          </a:p>
+          <a:p>
+            <a:endParaRPr lang="en-GB" dirty="0"/>
+          </a:p>
+          <a:p>
+            <a:r>
+              <a:rPr lang="en-GB" dirty="0"/>
+              <a:t>Health- /Key-Collectable</a:t>
+            </a:r>
+          </a:p>
+        </p:txBody>
+      </p:sp>
+    </p:spTree>
+    <p:extLst>
+      <p:ext uri="{BB962C8B-B14F-4D97-AF65-F5344CB8AC3E}">
+        <p14:creationId xmlns:p14="http://schemas.microsoft.com/office/powerpoint/2010/main" val="283216998"/>
+      </p:ext>
+    </p:extLst>
+  </p:cSld>
+  <p:clrMapOvr>
+    <a:masterClrMapping/>
+  </p:clrMapOvr>
+</p:sld>
+</file>
+
+<file path=ppt/slides/slide8.xml><?xml version="1.0" encoding="utf-8"?>
+<p:sld xmlns:a="http://schemas.openxmlformats.org/drawingml/2006/main" xmlns:r="http://schemas.openxmlformats.org/officeDocument/2006/relationships" xmlns:p="http://schemas.openxmlformats.org/presentationml/2006/main">
+  <p:cSld>
+    <p:spTree>
+      <p:nvGrpSpPr>
+        <p:cNvPr id="1" name=""/>
+        <p:cNvGrpSpPr/>
+        <p:nvPr/>
+      </p:nvGrpSpPr>
+      <p:grpSpPr>
+        <a:xfrm>
+          <a:off x="0" y="0"/>
+          <a:ext cx="0" cy="0"/>
+          <a:chOff x="0" y="0"/>
+          <a:chExt cx="0" cy="0"/>
+        </a:xfrm>
+      </p:grpSpPr>
+      <p:sp>
+        <p:nvSpPr>
           <p:cNvPr id="2" name="Title 1">
             <a:extLst>
               <a:ext uri="{FF2B5EF4-FFF2-40B4-BE49-F238E27FC236}">
@@ -3943,7 +4294,7 @@
 </p:sld>
 </file>
 
-<file path=ppt/slides/slide6.xml><?xml version="1.0" encoding="utf-8"?>
+<file path=ppt/slides/slide9.xml><?xml version="1.0" encoding="utf-8"?>
 <p:sld xmlns:a="http://schemas.openxmlformats.org/drawingml/2006/main" xmlns:r="http://schemas.openxmlformats.org/officeDocument/2006/relationships" xmlns:p="http://schemas.openxmlformats.org/presentationml/2006/main">
   <p:cSld>
     <p:spTree>
